--- a/slides/lecture2.pptx
+++ b/slides/lecture2.pptx
@@ -237,7 +237,7 @@
           <a:p>
             <a:fld id="{C5CF7C78-A87B-9B4D-A9D1-7364E5DA120C}" type="datetime1">
               <a:rPr lang="en-US" smtClean="0"/>
-              <a:t>1/21/21</a:t>
+              <a:t>1/22/21</a:t>
             </a:fld>
             <a:endParaRPr lang="en-US"/>
           </a:p>
@@ -403,7 +403,7 @@
           <a:p>
             <a:fld id="{7AAA2943-DE60-F34D-A49E-8FF3146C7A9A}" type="datetime1">
               <a:rPr lang="en-US" smtClean="0"/>
-              <a:t>1/21/21</a:t>
+              <a:t>1/22/21</a:t>
             </a:fld>
             <a:endParaRPr lang="en-US"/>
           </a:p>
@@ -717,7 +717,7 @@
           <a:p>
             <a:r>
               <a:rPr lang="en-US" dirty="0"/>
-              <a:t>Good morning, everyone. Welcome to CS 3992 Computer Engineering Senior Project Design. I am the course instructor Tsung-Wei Huang, and you can just call me TW, which is much easier to remember. </a:t>
+              <a:t>Good morning, everyone. Today we are going to continue on our journey on senior project design. We are going to talk about team work and resume.</a:t>
             </a:r>
           </a:p>
           <a:p>
@@ -726,26 +726,11 @@
           <a:p>
             <a:r>
               <a:rPr lang="en-US" dirty="0"/>
-              <a:t>I am faculty member at the ECE department and my research helps parallel programming easier to handle. And, thanks for taking this course and I believe everyone is forced to do that. </a:t>
+              <a:t>Some of you email me that you are registering for this class under the thesis track, and in this case, do I still need to form team? The answer is no, you don’t need to form a team; however, you need to find an advisor, a faculty member from either ECE or CS who can advisor you on a research project; other than that, everything is the same, you need to turn in all the assignments, give elevator pitch next next week, turn in a final project proposal and of course this project proposal is the research project you are doing with the advisor.</a:t>
             </a:r>
           </a:p>
           <a:p>
             <a:endParaRPr lang="en-US" dirty="0"/>
-          </a:p>
-          <a:p>
-            <a:r>
-              <a:rPr lang="en-US" dirty="0"/>
-              <a:t>I believe it is quite challenging this semester because I know many of you are suffering from the difficult situations due to COVID-19. The course is going to be in-person because we need you to be here to know each other so you can form teams. Its very difficult to find a team member without sitting in a room to know each other. </a:t>
-            </a:r>
-          </a:p>
-          <a:p>
-            <a:endParaRPr lang="en-US" dirty="0"/>
-          </a:p>
-          <a:p>
-            <a:r>
-              <a:rPr lang="en-US" dirty="0"/>
-              <a:t>Keep in mind, we will need to follow the COVID-19 policy imposed by the university. This means, you need to wear masks and keep social distance.</a:t>
-            </a:r>
           </a:p>
         </p:txBody>
       </p:sp>
@@ -776,6 +761,915 @@
     <p:extLst>
       <p:ext uri="{BB962C8B-B14F-4D97-AF65-F5344CB8AC3E}">
         <p14:creationId xmlns:p14="http://schemas.microsoft.com/office/powerpoint/2010/main" val="1900736096"/>
+      </p:ext>
+    </p:extLst>
+  </p:cSld>
+  <p:clrMapOvr>
+    <a:masterClrMapping/>
+  </p:clrMapOvr>
+</p:notes>
+</file>
+
+<file path=ppt/notesSlides/notesSlide10.xml><?xml version="1.0" encoding="utf-8"?>
+<p:notes xmlns:a="http://schemas.openxmlformats.org/drawingml/2006/main" xmlns:r="http://schemas.openxmlformats.org/officeDocument/2006/relationships" xmlns:p="http://schemas.openxmlformats.org/presentationml/2006/main">
+  <p:cSld>
+    <p:spTree>
+      <p:nvGrpSpPr>
+        <p:cNvPr id="1" name=""/>
+        <p:cNvGrpSpPr/>
+        <p:nvPr/>
+      </p:nvGrpSpPr>
+      <p:grpSpPr>
+        <a:xfrm>
+          <a:off x="0" y="0"/>
+          <a:ext cx="0" cy="0"/>
+          <a:chOff x="0" y="0"/>
+          <a:chExt cx="0" cy="0"/>
+        </a:xfrm>
+      </p:grpSpPr>
+      <p:sp>
+        <p:nvSpPr>
+          <p:cNvPr id="2" name="Slide Image Placeholder 1"/>
+          <p:cNvSpPr>
+            <a:spLocks noGrp="1" noRot="1" noChangeAspect="1"/>
+          </p:cNvSpPr>
+          <p:nvPr>
+            <p:ph type="sldImg"/>
+          </p:nvPr>
+        </p:nvSpPr>
+        <p:spPr/>
+      </p:sp>
+      <p:sp>
+        <p:nvSpPr>
+          <p:cNvPr id="3" name="Notes Placeholder 2"/>
+          <p:cNvSpPr>
+            <a:spLocks noGrp="1"/>
+          </p:cNvSpPr>
+          <p:nvPr>
+            <p:ph type="body" idx="1"/>
+          </p:nvPr>
+        </p:nvSpPr>
+        <p:spPr/>
+        <p:txBody>
+          <a:bodyPr/>
+          <a:lstStyle/>
+          <a:p>
+            <a:r>
+              <a:rPr lang="en-US" dirty="0"/>
+              <a:t>So, the story told us, we are not hard-wired to succeed at teamwork. Teamwork is something we need to learn, because different people have different area of </a:t>
+            </a:r>
+            <a:r>
+              <a:rPr lang="en-US" dirty="0" err="1"/>
+              <a:t>expertises</a:t>
+            </a:r>
+            <a:r>
+              <a:rPr lang="en-US" dirty="0"/>
+              <a:t>, and some of them can complement to each other. </a:t>
+            </a:r>
+          </a:p>
+          <a:p>
+            <a:endParaRPr lang="en-US" dirty="0"/>
+          </a:p>
+          <a:p>
+            <a:r>
+              <a:rPr lang="en-US" dirty="0"/>
+              <a:t>No one is born with excellent teamwork capability; teamwork must be trained; </a:t>
+            </a:r>
+          </a:p>
+          <a:p>
+            <a:endParaRPr lang="en-US" dirty="0"/>
+          </a:p>
+          <a:p>
+            <a:r>
+              <a:rPr lang="en-US" dirty="0"/>
+              <a:t>What encourage team responsibility? The course requirement? Let’s watch the following two </a:t>
+            </a:r>
+            <a:r>
+              <a:rPr lang="en-US" dirty="0" err="1"/>
+              <a:t>youtube</a:t>
+            </a:r>
+            <a:r>
+              <a:rPr lang="en-US" dirty="0"/>
+              <a:t> videos.</a:t>
+            </a:r>
+          </a:p>
+        </p:txBody>
+      </p:sp>
+      <p:sp>
+        <p:nvSpPr>
+          <p:cNvPr id="4" name="Slide Number Placeholder 3"/>
+          <p:cNvSpPr>
+            <a:spLocks noGrp="1"/>
+          </p:cNvSpPr>
+          <p:nvPr>
+            <p:ph type="sldNum" sz="quarter" idx="5"/>
+          </p:nvPr>
+        </p:nvSpPr>
+        <p:spPr/>
+        <p:txBody>
+          <a:bodyPr/>
+          <a:lstStyle/>
+          <a:p>
+            <a:fld id="{AAE100B7-F0F0-BA4B-98D9-DC51A8C921F3}" type="slidenum">
+              <a:rPr lang="en-US" smtClean="0"/>
+              <a:t>10</a:t>
+            </a:fld>
+            <a:endParaRPr lang="en-US"/>
+          </a:p>
+        </p:txBody>
+      </p:sp>
+    </p:spTree>
+    <p:extLst>
+      <p:ext uri="{BB962C8B-B14F-4D97-AF65-F5344CB8AC3E}">
+        <p14:creationId xmlns:p14="http://schemas.microsoft.com/office/powerpoint/2010/main" val="683021776"/>
+      </p:ext>
+    </p:extLst>
+  </p:cSld>
+  <p:clrMapOvr>
+    <a:masterClrMapping/>
+  </p:clrMapOvr>
+</p:notes>
+</file>
+
+<file path=ppt/notesSlides/notesSlide11.xml><?xml version="1.0" encoding="utf-8"?>
+<p:notes xmlns:a="http://schemas.openxmlformats.org/drawingml/2006/main" xmlns:r="http://schemas.openxmlformats.org/officeDocument/2006/relationships" xmlns:p="http://schemas.openxmlformats.org/presentationml/2006/main">
+  <p:cSld>
+    <p:spTree>
+      <p:nvGrpSpPr>
+        <p:cNvPr id="1" name=""/>
+        <p:cNvGrpSpPr/>
+        <p:nvPr/>
+      </p:nvGrpSpPr>
+      <p:grpSpPr>
+        <a:xfrm>
+          <a:off x="0" y="0"/>
+          <a:ext cx="0" cy="0"/>
+          <a:chOff x="0" y="0"/>
+          <a:chExt cx="0" cy="0"/>
+        </a:xfrm>
+      </p:grpSpPr>
+      <p:sp>
+        <p:nvSpPr>
+          <p:cNvPr id="2" name="Slide Image Placeholder 1"/>
+          <p:cNvSpPr>
+            <a:spLocks noGrp="1" noRot="1" noChangeAspect="1"/>
+          </p:cNvSpPr>
+          <p:nvPr>
+            <p:ph type="sldImg"/>
+          </p:nvPr>
+        </p:nvSpPr>
+        <p:spPr/>
+      </p:sp>
+      <p:sp>
+        <p:nvSpPr>
+          <p:cNvPr id="3" name="Notes Placeholder 2"/>
+          <p:cNvSpPr>
+            <a:spLocks noGrp="1"/>
+          </p:cNvSpPr>
+          <p:nvPr>
+            <p:ph type="body" idx="1"/>
+          </p:nvPr>
+        </p:nvSpPr>
+        <p:spPr/>
+        <p:txBody>
+          <a:bodyPr/>
+          <a:lstStyle/>
+          <a:p>
+            <a:endParaRPr lang="en-US" dirty="0"/>
+          </a:p>
+        </p:txBody>
+      </p:sp>
+      <p:sp>
+        <p:nvSpPr>
+          <p:cNvPr id="4" name="Slide Number Placeholder 3"/>
+          <p:cNvSpPr>
+            <a:spLocks noGrp="1"/>
+          </p:cNvSpPr>
+          <p:nvPr>
+            <p:ph type="sldNum" sz="quarter" idx="5"/>
+          </p:nvPr>
+        </p:nvSpPr>
+        <p:spPr/>
+        <p:txBody>
+          <a:bodyPr/>
+          <a:lstStyle/>
+          <a:p>
+            <a:fld id="{AAE100B7-F0F0-BA4B-98D9-DC51A8C921F3}" type="slidenum">
+              <a:rPr lang="en-US" smtClean="0"/>
+              <a:t>11</a:t>
+            </a:fld>
+            <a:endParaRPr lang="en-US"/>
+          </a:p>
+        </p:txBody>
+      </p:sp>
+    </p:spTree>
+    <p:extLst>
+      <p:ext uri="{BB962C8B-B14F-4D97-AF65-F5344CB8AC3E}">
+        <p14:creationId xmlns:p14="http://schemas.microsoft.com/office/powerpoint/2010/main" val="793870149"/>
+      </p:ext>
+    </p:extLst>
+  </p:cSld>
+  <p:clrMapOvr>
+    <a:masterClrMapping/>
+  </p:clrMapOvr>
+</p:notes>
+</file>
+
+<file path=ppt/notesSlides/notesSlide12.xml><?xml version="1.0" encoding="utf-8"?>
+<p:notes xmlns:a="http://schemas.openxmlformats.org/drawingml/2006/main" xmlns:r="http://schemas.openxmlformats.org/officeDocument/2006/relationships" xmlns:p="http://schemas.openxmlformats.org/presentationml/2006/main">
+  <p:cSld>
+    <p:spTree>
+      <p:nvGrpSpPr>
+        <p:cNvPr id="1" name=""/>
+        <p:cNvGrpSpPr/>
+        <p:nvPr/>
+      </p:nvGrpSpPr>
+      <p:grpSpPr>
+        <a:xfrm>
+          <a:off x="0" y="0"/>
+          <a:ext cx="0" cy="0"/>
+          <a:chOff x="0" y="0"/>
+          <a:chExt cx="0" cy="0"/>
+        </a:xfrm>
+      </p:grpSpPr>
+      <p:sp>
+        <p:nvSpPr>
+          <p:cNvPr id="2" name="Slide Image Placeholder 1"/>
+          <p:cNvSpPr>
+            <a:spLocks noGrp="1" noRot="1" noChangeAspect="1"/>
+          </p:cNvSpPr>
+          <p:nvPr>
+            <p:ph type="sldImg"/>
+          </p:nvPr>
+        </p:nvSpPr>
+        <p:spPr/>
+      </p:sp>
+      <p:sp>
+        <p:nvSpPr>
+          <p:cNvPr id="3" name="Notes Placeholder 2"/>
+          <p:cNvSpPr>
+            <a:spLocks noGrp="1"/>
+          </p:cNvSpPr>
+          <p:nvPr>
+            <p:ph type="body" idx="1"/>
+          </p:nvPr>
+        </p:nvSpPr>
+        <p:spPr/>
+        <p:txBody>
+          <a:bodyPr/>
+          <a:lstStyle/>
+          <a:p>
+            <a:endParaRPr lang="en-US" dirty="0"/>
+          </a:p>
+        </p:txBody>
+      </p:sp>
+      <p:sp>
+        <p:nvSpPr>
+          <p:cNvPr id="4" name="Slide Number Placeholder 3"/>
+          <p:cNvSpPr>
+            <a:spLocks noGrp="1"/>
+          </p:cNvSpPr>
+          <p:nvPr>
+            <p:ph type="sldNum" sz="quarter" idx="5"/>
+          </p:nvPr>
+        </p:nvSpPr>
+        <p:spPr/>
+        <p:txBody>
+          <a:bodyPr/>
+          <a:lstStyle/>
+          <a:p>
+            <a:fld id="{AAE100B7-F0F0-BA4B-98D9-DC51A8C921F3}" type="slidenum">
+              <a:rPr lang="en-US" smtClean="0"/>
+              <a:t>12</a:t>
+            </a:fld>
+            <a:endParaRPr lang="en-US"/>
+          </a:p>
+        </p:txBody>
+      </p:sp>
+    </p:spTree>
+    <p:extLst>
+      <p:ext uri="{BB962C8B-B14F-4D97-AF65-F5344CB8AC3E}">
+        <p14:creationId xmlns:p14="http://schemas.microsoft.com/office/powerpoint/2010/main" val="1091578543"/>
+      </p:ext>
+    </p:extLst>
+  </p:cSld>
+  <p:clrMapOvr>
+    <a:masterClrMapping/>
+  </p:clrMapOvr>
+</p:notes>
+</file>
+
+<file path=ppt/notesSlides/notesSlide13.xml><?xml version="1.0" encoding="utf-8"?>
+<p:notes xmlns:a="http://schemas.openxmlformats.org/drawingml/2006/main" xmlns:r="http://schemas.openxmlformats.org/officeDocument/2006/relationships" xmlns:p="http://schemas.openxmlformats.org/presentationml/2006/main">
+  <p:cSld>
+    <p:spTree>
+      <p:nvGrpSpPr>
+        <p:cNvPr id="1" name=""/>
+        <p:cNvGrpSpPr/>
+        <p:nvPr/>
+      </p:nvGrpSpPr>
+      <p:grpSpPr>
+        <a:xfrm>
+          <a:off x="0" y="0"/>
+          <a:ext cx="0" cy="0"/>
+          <a:chOff x="0" y="0"/>
+          <a:chExt cx="0" cy="0"/>
+        </a:xfrm>
+      </p:grpSpPr>
+      <p:sp>
+        <p:nvSpPr>
+          <p:cNvPr id="2" name="Slide Image Placeholder 1"/>
+          <p:cNvSpPr>
+            <a:spLocks noGrp="1" noRot="1" noChangeAspect="1"/>
+          </p:cNvSpPr>
+          <p:nvPr>
+            <p:ph type="sldImg"/>
+          </p:nvPr>
+        </p:nvSpPr>
+        <p:spPr/>
+      </p:sp>
+      <p:sp>
+        <p:nvSpPr>
+          <p:cNvPr id="3" name="Notes Placeholder 2"/>
+          <p:cNvSpPr>
+            <a:spLocks noGrp="1"/>
+          </p:cNvSpPr>
+          <p:nvPr>
+            <p:ph type="body" idx="1"/>
+          </p:nvPr>
+        </p:nvSpPr>
+        <p:spPr/>
+        <p:txBody>
+          <a:bodyPr/>
+          <a:lstStyle/>
+          <a:p>
+            <a:r>
+              <a:rPr lang="en-US" dirty="0"/>
+              <a:t>One thing that you need to keep in mind is: respect is never equal to follow. I may respect you but I may not follow; likewise, just because I follow you doesn’t mean I respect you for now; it can be an order from a higher level manager asking me to follow your idea even though I don’t respect your capability;</a:t>
+            </a:r>
+          </a:p>
+          <a:p>
+            <a:endParaRPr lang="en-US" dirty="0"/>
+          </a:p>
+          <a:p>
+            <a:r>
+              <a:rPr lang="en-US" dirty="0"/>
+              <a:t>This happen frequently in a company; as an employer, you may respect your boss, but after work, I freaking hate my boss;</a:t>
+            </a:r>
+          </a:p>
+          <a:p>
+            <a:endParaRPr lang="en-US" dirty="0"/>
+          </a:p>
+          <a:p>
+            <a:r>
+              <a:rPr lang="en-US" dirty="0"/>
+              <a:t>However, in order to have a very successful teamwork, respect and follow must come together; and this is not just aiming for the leader but everyone else. You need to respect everyone, listen to his or her idea, even though it sounds shitty in the first stage, but there must be a reason for this idea to come up. Also, being shitty or not is all about your personal opinions. </a:t>
+            </a:r>
+          </a:p>
+          <a:p>
+            <a:endParaRPr lang="en-US" dirty="0"/>
+          </a:p>
+          <a:p>
+            <a:r>
+              <a:rPr lang="en-US" dirty="0"/>
+              <a:t>And I can tell you, I have been working a lot with many students, and the most important part is to hear their ideas. By understanding their ideas, you will know their technical backgrounds, and knowledge foundation. </a:t>
+            </a:r>
+          </a:p>
+          <a:p>
+            <a:endParaRPr lang="en-US" dirty="0"/>
+          </a:p>
+          <a:p>
+            <a:r>
+              <a:rPr lang="en-US" dirty="0"/>
+              <a:t>Creativity is important, but knowledge empowers the creativity. The limit of your knowledge is also a limit of your creativity.</a:t>
+            </a:r>
+          </a:p>
+          <a:p>
+            <a:endParaRPr lang="en-US" dirty="0"/>
+          </a:p>
+          <a:p>
+            <a:r>
+              <a:rPr lang="en-US" dirty="0"/>
+              <a:t>Now, as an advisor, you will be able to find a way to help them after listening to their ideas.</a:t>
+            </a:r>
+          </a:p>
+        </p:txBody>
+      </p:sp>
+      <p:sp>
+        <p:nvSpPr>
+          <p:cNvPr id="4" name="Slide Number Placeholder 3"/>
+          <p:cNvSpPr>
+            <a:spLocks noGrp="1"/>
+          </p:cNvSpPr>
+          <p:nvPr>
+            <p:ph type="sldNum" sz="quarter" idx="5"/>
+          </p:nvPr>
+        </p:nvSpPr>
+        <p:spPr/>
+        <p:txBody>
+          <a:bodyPr/>
+          <a:lstStyle/>
+          <a:p>
+            <a:fld id="{AAE100B7-F0F0-BA4B-98D9-DC51A8C921F3}" type="slidenum">
+              <a:rPr lang="en-US" smtClean="0"/>
+              <a:t>13</a:t>
+            </a:fld>
+            <a:endParaRPr lang="en-US"/>
+          </a:p>
+        </p:txBody>
+      </p:sp>
+    </p:spTree>
+    <p:extLst>
+      <p:ext uri="{BB962C8B-B14F-4D97-AF65-F5344CB8AC3E}">
+        <p14:creationId xmlns:p14="http://schemas.microsoft.com/office/powerpoint/2010/main" val="3027426935"/>
+      </p:ext>
+    </p:extLst>
+  </p:cSld>
+  <p:clrMapOvr>
+    <a:masterClrMapping/>
+  </p:clrMapOvr>
+</p:notes>
+</file>
+
+<file path=ppt/notesSlides/notesSlide14.xml><?xml version="1.0" encoding="utf-8"?>
+<p:notes xmlns:a="http://schemas.openxmlformats.org/drawingml/2006/main" xmlns:r="http://schemas.openxmlformats.org/officeDocument/2006/relationships" xmlns:p="http://schemas.openxmlformats.org/presentationml/2006/main">
+  <p:cSld>
+    <p:spTree>
+      <p:nvGrpSpPr>
+        <p:cNvPr id="1" name=""/>
+        <p:cNvGrpSpPr/>
+        <p:nvPr/>
+      </p:nvGrpSpPr>
+      <p:grpSpPr>
+        <a:xfrm>
+          <a:off x="0" y="0"/>
+          <a:ext cx="0" cy="0"/>
+          <a:chOff x="0" y="0"/>
+          <a:chExt cx="0" cy="0"/>
+        </a:xfrm>
+      </p:grpSpPr>
+      <p:sp>
+        <p:nvSpPr>
+          <p:cNvPr id="2" name="Slide Image Placeholder 1"/>
+          <p:cNvSpPr>
+            <a:spLocks noGrp="1" noRot="1" noChangeAspect="1"/>
+          </p:cNvSpPr>
+          <p:nvPr>
+            <p:ph type="sldImg"/>
+          </p:nvPr>
+        </p:nvSpPr>
+        <p:spPr/>
+      </p:sp>
+      <p:sp>
+        <p:nvSpPr>
+          <p:cNvPr id="3" name="Notes Placeholder 2"/>
+          <p:cNvSpPr>
+            <a:spLocks noGrp="1"/>
+          </p:cNvSpPr>
+          <p:nvPr>
+            <p:ph type="body" idx="1"/>
+          </p:nvPr>
+        </p:nvSpPr>
+        <p:spPr/>
+        <p:txBody>
+          <a:bodyPr/>
+          <a:lstStyle/>
+          <a:p>
+            <a:r>
+              <a:rPr lang="en-US" dirty="0"/>
+              <a:t>Now, we talked a lot about teamwork, what is a teamwork, why is it important, and why should I care. All these are mysterious; teamwork won’t happen until we bring it to practice. </a:t>
+            </a:r>
+          </a:p>
+          <a:p>
+            <a:endParaRPr lang="en-US" dirty="0"/>
+          </a:p>
+          <a:p>
+            <a:r>
+              <a:rPr lang="en-US" dirty="0"/>
+              <a:t>The first step is to form a team; like I said, each team in this class should have about 3-4 people; since the project must contain both software and hardware components, your group should have both software and hardware people; (explain…)</a:t>
+            </a:r>
+          </a:p>
+          <a:p>
+            <a:endParaRPr lang="en-US" dirty="0"/>
+          </a:p>
+          <a:p>
+            <a:r>
+              <a:rPr lang="en-US" dirty="0"/>
+              <a:t>More importantly, each team has a leader. A leader exists in terms of hierarchy; (explain…)</a:t>
+            </a:r>
+          </a:p>
+        </p:txBody>
+      </p:sp>
+      <p:sp>
+        <p:nvSpPr>
+          <p:cNvPr id="4" name="Slide Number Placeholder 3"/>
+          <p:cNvSpPr>
+            <a:spLocks noGrp="1"/>
+          </p:cNvSpPr>
+          <p:nvPr>
+            <p:ph type="sldNum" sz="quarter" idx="5"/>
+          </p:nvPr>
+        </p:nvSpPr>
+        <p:spPr/>
+        <p:txBody>
+          <a:bodyPr/>
+          <a:lstStyle/>
+          <a:p>
+            <a:fld id="{AAE100B7-F0F0-BA4B-98D9-DC51A8C921F3}" type="slidenum">
+              <a:rPr lang="en-US" smtClean="0"/>
+              <a:t>14</a:t>
+            </a:fld>
+            <a:endParaRPr lang="en-US"/>
+          </a:p>
+        </p:txBody>
+      </p:sp>
+    </p:spTree>
+    <p:extLst>
+      <p:ext uri="{BB962C8B-B14F-4D97-AF65-F5344CB8AC3E}">
+        <p14:creationId xmlns:p14="http://schemas.microsoft.com/office/powerpoint/2010/main" val="2066623615"/>
+      </p:ext>
+    </p:extLst>
+  </p:cSld>
+  <p:clrMapOvr>
+    <a:masterClrMapping/>
+  </p:clrMapOvr>
+</p:notes>
+</file>
+
+<file path=ppt/notesSlides/notesSlide15.xml><?xml version="1.0" encoding="utf-8"?>
+<p:notes xmlns:a="http://schemas.openxmlformats.org/drawingml/2006/main" xmlns:r="http://schemas.openxmlformats.org/officeDocument/2006/relationships" xmlns:p="http://schemas.openxmlformats.org/presentationml/2006/main">
+  <p:cSld>
+    <p:spTree>
+      <p:nvGrpSpPr>
+        <p:cNvPr id="1" name=""/>
+        <p:cNvGrpSpPr/>
+        <p:nvPr/>
+      </p:nvGrpSpPr>
+      <p:grpSpPr>
+        <a:xfrm>
+          <a:off x="0" y="0"/>
+          <a:ext cx="0" cy="0"/>
+          <a:chOff x="0" y="0"/>
+          <a:chExt cx="0" cy="0"/>
+        </a:xfrm>
+      </p:grpSpPr>
+      <p:sp>
+        <p:nvSpPr>
+          <p:cNvPr id="2" name="Slide Image Placeholder 1"/>
+          <p:cNvSpPr>
+            <a:spLocks noGrp="1" noRot="1" noChangeAspect="1"/>
+          </p:cNvSpPr>
+          <p:nvPr>
+            <p:ph type="sldImg"/>
+          </p:nvPr>
+        </p:nvSpPr>
+        <p:spPr/>
+      </p:sp>
+      <p:sp>
+        <p:nvSpPr>
+          <p:cNvPr id="3" name="Notes Placeholder 2"/>
+          <p:cNvSpPr>
+            <a:spLocks noGrp="1"/>
+          </p:cNvSpPr>
+          <p:nvPr>
+            <p:ph type="body" idx="1"/>
+          </p:nvPr>
+        </p:nvSpPr>
+        <p:spPr/>
+        <p:txBody>
+          <a:bodyPr/>
+          <a:lstStyle/>
+          <a:p>
+            <a:r>
+              <a:rPr lang="en-US" dirty="0"/>
+              <a:t>To help you form a team, we are going to ask you to turn in your resume and give elevator pitch next next week, two weeks from now. And I will spend the rest of the lecture today and the next week to talk about how to write a good resume and give an elevator pitch. </a:t>
+            </a:r>
+          </a:p>
+          <a:p>
+            <a:endParaRPr lang="en-US" dirty="0"/>
+          </a:p>
+          <a:p>
+            <a:r>
+              <a:rPr lang="en-US" dirty="0"/>
+              <a:t>After that, it is your turn to showcase yourself; we will schedule a slot for everyone to stand up to the stage to talk about yourself and what your project ideas are, in just 5 minutes.</a:t>
+            </a:r>
+          </a:p>
+          <a:p>
+            <a:endParaRPr lang="en-US" dirty="0"/>
+          </a:p>
+          <a:p>
+            <a:r>
+              <a:rPr lang="en-US" dirty="0"/>
+              <a:t>This is the second assignment next next week. First part, you need to have your resume and create a personal website. And I will make the resume and website visible to everyone in the class, so everyone can know each other and know where to find the right person in his or her team. </a:t>
+            </a:r>
+          </a:p>
+          <a:p>
+            <a:endParaRPr lang="en-US" dirty="0"/>
+          </a:p>
+          <a:p>
+            <a:r>
+              <a:rPr lang="en-US" dirty="0"/>
+              <a:t>Now, let’s talk about resume. Building a resume is a very subjective matter. It has a lot of my personal opinion. They may not be true but at least I can tell you its’ based on my several years of experience. I have been working with </a:t>
+            </a:r>
+            <a:r>
+              <a:rPr lang="en-US" dirty="0" err="1"/>
+              <a:t>Simens</a:t>
+            </a:r>
+            <a:r>
+              <a:rPr lang="en-US" dirty="0"/>
+              <a:t> Business, IBM, and the biggest financial company in Chicago, Citadel. </a:t>
+            </a:r>
+          </a:p>
+          <a:p>
+            <a:endParaRPr lang="en-US" dirty="0"/>
+          </a:p>
+          <a:p>
+            <a:r>
+              <a:rPr lang="en-US" dirty="0"/>
+              <a:t>A resume is …</a:t>
+            </a:r>
+          </a:p>
+        </p:txBody>
+      </p:sp>
+      <p:sp>
+        <p:nvSpPr>
+          <p:cNvPr id="4" name="Slide Number Placeholder 3"/>
+          <p:cNvSpPr>
+            <a:spLocks noGrp="1"/>
+          </p:cNvSpPr>
+          <p:nvPr>
+            <p:ph type="sldNum" sz="quarter" idx="5"/>
+          </p:nvPr>
+        </p:nvSpPr>
+        <p:spPr/>
+        <p:txBody>
+          <a:bodyPr/>
+          <a:lstStyle/>
+          <a:p>
+            <a:fld id="{AAE100B7-F0F0-BA4B-98D9-DC51A8C921F3}" type="slidenum">
+              <a:rPr lang="en-US" smtClean="0"/>
+              <a:t>15</a:t>
+            </a:fld>
+            <a:endParaRPr lang="en-US"/>
+          </a:p>
+        </p:txBody>
+      </p:sp>
+    </p:spTree>
+    <p:extLst>
+      <p:ext uri="{BB962C8B-B14F-4D97-AF65-F5344CB8AC3E}">
+        <p14:creationId xmlns:p14="http://schemas.microsoft.com/office/powerpoint/2010/main" val="2514294101"/>
+      </p:ext>
+    </p:extLst>
+  </p:cSld>
+  <p:clrMapOvr>
+    <a:masterClrMapping/>
+  </p:clrMapOvr>
+</p:notes>
+</file>
+
+<file path=ppt/notesSlides/notesSlide16.xml><?xml version="1.0" encoding="utf-8"?>
+<p:notes xmlns:a="http://schemas.openxmlformats.org/drawingml/2006/main" xmlns:r="http://schemas.openxmlformats.org/officeDocument/2006/relationships" xmlns:p="http://schemas.openxmlformats.org/presentationml/2006/main">
+  <p:cSld>
+    <p:spTree>
+      <p:nvGrpSpPr>
+        <p:cNvPr id="1" name=""/>
+        <p:cNvGrpSpPr/>
+        <p:nvPr/>
+      </p:nvGrpSpPr>
+      <p:grpSpPr>
+        <a:xfrm>
+          <a:off x="0" y="0"/>
+          <a:ext cx="0" cy="0"/>
+          <a:chOff x="0" y="0"/>
+          <a:chExt cx="0" cy="0"/>
+        </a:xfrm>
+      </p:grpSpPr>
+      <p:sp>
+        <p:nvSpPr>
+          <p:cNvPr id="2" name="Slide Image Placeholder 1"/>
+          <p:cNvSpPr>
+            <a:spLocks noGrp="1" noRot="1" noChangeAspect="1"/>
+          </p:cNvSpPr>
+          <p:nvPr>
+            <p:ph type="sldImg"/>
+          </p:nvPr>
+        </p:nvSpPr>
+        <p:spPr/>
+      </p:sp>
+      <p:sp>
+        <p:nvSpPr>
+          <p:cNvPr id="3" name="Notes Placeholder 2"/>
+          <p:cNvSpPr>
+            <a:spLocks noGrp="1"/>
+          </p:cNvSpPr>
+          <p:nvPr>
+            <p:ph type="body" idx="1"/>
+          </p:nvPr>
+        </p:nvSpPr>
+        <p:spPr/>
+        <p:txBody>
+          <a:bodyPr/>
+          <a:lstStyle/>
+          <a:p>
+            <a:endParaRPr lang="en-US"/>
+          </a:p>
+        </p:txBody>
+      </p:sp>
+      <p:sp>
+        <p:nvSpPr>
+          <p:cNvPr id="4" name="Slide Number Placeholder 3"/>
+          <p:cNvSpPr>
+            <a:spLocks noGrp="1"/>
+          </p:cNvSpPr>
+          <p:nvPr>
+            <p:ph type="sldNum" sz="quarter" idx="5"/>
+          </p:nvPr>
+        </p:nvSpPr>
+        <p:spPr/>
+        <p:txBody>
+          <a:bodyPr/>
+          <a:lstStyle/>
+          <a:p>
+            <a:fld id="{AAE100B7-F0F0-BA4B-98D9-DC51A8C921F3}" type="slidenum">
+              <a:rPr lang="en-US" smtClean="0"/>
+              <a:t>16</a:t>
+            </a:fld>
+            <a:endParaRPr lang="en-US"/>
+          </a:p>
+        </p:txBody>
+      </p:sp>
+    </p:spTree>
+    <p:extLst>
+      <p:ext uri="{BB962C8B-B14F-4D97-AF65-F5344CB8AC3E}">
+        <p14:creationId xmlns:p14="http://schemas.microsoft.com/office/powerpoint/2010/main" val="1886181678"/>
+      </p:ext>
+    </p:extLst>
+  </p:cSld>
+  <p:clrMapOvr>
+    <a:masterClrMapping/>
+  </p:clrMapOvr>
+</p:notes>
+</file>
+
+<file path=ppt/notesSlides/notesSlide17.xml><?xml version="1.0" encoding="utf-8"?>
+<p:notes xmlns:a="http://schemas.openxmlformats.org/drawingml/2006/main" xmlns:r="http://schemas.openxmlformats.org/officeDocument/2006/relationships" xmlns:p="http://schemas.openxmlformats.org/presentationml/2006/main">
+  <p:cSld>
+    <p:spTree>
+      <p:nvGrpSpPr>
+        <p:cNvPr id="1" name=""/>
+        <p:cNvGrpSpPr/>
+        <p:nvPr/>
+      </p:nvGrpSpPr>
+      <p:grpSpPr>
+        <a:xfrm>
+          <a:off x="0" y="0"/>
+          <a:ext cx="0" cy="0"/>
+          <a:chOff x="0" y="0"/>
+          <a:chExt cx="0" cy="0"/>
+        </a:xfrm>
+      </p:grpSpPr>
+      <p:sp>
+        <p:nvSpPr>
+          <p:cNvPr id="2" name="Slide Image Placeholder 1"/>
+          <p:cNvSpPr>
+            <a:spLocks noGrp="1" noRot="1" noChangeAspect="1"/>
+          </p:cNvSpPr>
+          <p:nvPr>
+            <p:ph type="sldImg"/>
+          </p:nvPr>
+        </p:nvSpPr>
+        <p:spPr/>
+      </p:sp>
+      <p:sp>
+        <p:nvSpPr>
+          <p:cNvPr id="3" name="Notes Placeholder 2"/>
+          <p:cNvSpPr>
+            <a:spLocks noGrp="1"/>
+          </p:cNvSpPr>
+          <p:nvPr>
+            <p:ph type="body" idx="1"/>
+          </p:nvPr>
+        </p:nvSpPr>
+        <p:spPr/>
+        <p:txBody>
+          <a:bodyPr/>
+          <a:lstStyle/>
+          <a:p>
+            <a:endParaRPr lang="en-US"/>
+          </a:p>
+        </p:txBody>
+      </p:sp>
+      <p:sp>
+        <p:nvSpPr>
+          <p:cNvPr id="4" name="Slide Number Placeholder 3"/>
+          <p:cNvSpPr>
+            <a:spLocks noGrp="1"/>
+          </p:cNvSpPr>
+          <p:nvPr>
+            <p:ph type="sldNum" sz="quarter" idx="5"/>
+          </p:nvPr>
+        </p:nvSpPr>
+        <p:spPr/>
+        <p:txBody>
+          <a:bodyPr/>
+          <a:lstStyle/>
+          <a:p>
+            <a:fld id="{AAE100B7-F0F0-BA4B-98D9-DC51A8C921F3}" type="slidenum">
+              <a:rPr lang="en-US" smtClean="0"/>
+              <a:t>17</a:t>
+            </a:fld>
+            <a:endParaRPr lang="en-US"/>
+          </a:p>
+        </p:txBody>
+      </p:sp>
+    </p:spTree>
+    <p:extLst>
+      <p:ext uri="{BB962C8B-B14F-4D97-AF65-F5344CB8AC3E}">
+        <p14:creationId xmlns:p14="http://schemas.microsoft.com/office/powerpoint/2010/main" val="3571726864"/>
+      </p:ext>
+    </p:extLst>
+  </p:cSld>
+  <p:clrMapOvr>
+    <a:masterClrMapping/>
+  </p:clrMapOvr>
+</p:notes>
+</file>
+
+<file path=ppt/notesSlides/notesSlide18.xml><?xml version="1.0" encoding="utf-8"?>
+<p:notes xmlns:a="http://schemas.openxmlformats.org/drawingml/2006/main" xmlns:r="http://schemas.openxmlformats.org/officeDocument/2006/relationships" xmlns:p="http://schemas.openxmlformats.org/presentationml/2006/main">
+  <p:cSld>
+    <p:spTree>
+      <p:nvGrpSpPr>
+        <p:cNvPr id="1" name=""/>
+        <p:cNvGrpSpPr/>
+        <p:nvPr/>
+      </p:nvGrpSpPr>
+      <p:grpSpPr>
+        <a:xfrm>
+          <a:off x="0" y="0"/>
+          <a:ext cx="0" cy="0"/>
+          <a:chOff x="0" y="0"/>
+          <a:chExt cx="0" cy="0"/>
+        </a:xfrm>
+      </p:grpSpPr>
+      <p:sp>
+        <p:nvSpPr>
+          <p:cNvPr id="2" name="Slide Image Placeholder 1"/>
+          <p:cNvSpPr>
+            <a:spLocks noGrp="1" noRot="1" noChangeAspect="1"/>
+          </p:cNvSpPr>
+          <p:nvPr>
+            <p:ph type="sldImg"/>
+          </p:nvPr>
+        </p:nvSpPr>
+        <p:spPr/>
+      </p:sp>
+      <p:sp>
+        <p:nvSpPr>
+          <p:cNvPr id="3" name="Notes Placeholder 2"/>
+          <p:cNvSpPr>
+            <a:spLocks noGrp="1"/>
+          </p:cNvSpPr>
+          <p:nvPr>
+            <p:ph type="body" idx="1"/>
+          </p:nvPr>
+        </p:nvSpPr>
+        <p:spPr/>
+        <p:txBody>
+          <a:bodyPr/>
+          <a:lstStyle/>
+          <a:p>
+            <a:endParaRPr lang="en-US"/>
+          </a:p>
+        </p:txBody>
+      </p:sp>
+      <p:sp>
+        <p:nvSpPr>
+          <p:cNvPr id="4" name="Slide Number Placeholder 3"/>
+          <p:cNvSpPr>
+            <a:spLocks noGrp="1"/>
+          </p:cNvSpPr>
+          <p:nvPr>
+            <p:ph type="sldNum" sz="quarter" idx="5"/>
+          </p:nvPr>
+        </p:nvSpPr>
+        <p:spPr/>
+        <p:txBody>
+          <a:bodyPr/>
+          <a:lstStyle/>
+          <a:p>
+            <a:fld id="{AAE100B7-F0F0-BA4B-98D9-DC51A8C921F3}" type="slidenum">
+              <a:rPr lang="en-US" smtClean="0"/>
+              <a:t>18</a:t>
+            </a:fld>
+            <a:endParaRPr lang="en-US"/>
+          </a:p>
+        </p:txBody>
+      </p:sp>
+    </p:spTree>
+    <p:extLst>
+      <p:ext uri="{BB962C8B-B14F-4D97-AF65-F5344CB8AC3E}">
+        <p14:creationId xmlns:p14="http://schemas.microsoft.com/office/powerpoint/2010/main" val="292353172"/>
       </p:ext>
     </p:extLst>
   </p:cSld>
@@ -831,7 +1725,7 @@
           <a:p>
             <a:r>
               <a:rPr lang="en-US" dirty="0"/>
-              <a:t>class logistics. We have only one instructor and that is me. We will have one TA, Yasin; Yasin, would you please say hello to everyone and introduce yourself? I have put down our emails so you can reach out to us if you have any questions.</a:t>
+              <a:t>Let’s quickly review the class logistics again. We have only one instructor and that is me. We will have one TA, Yasin; I have put down our emails so you can reach out to us if you have any questions.</a:t>
             </a:r>
           </a:p>
           <a:p>
@@ -840,7 +1734,7 @@
           <a:p>
             <a:r>
               <a:rPr lang="en-US" dirty="0"/>
-              <a:t>The main class takes place twice weekly. We will not have lectures all the week but in the first several weeks when I need to introduce the ideas of the course, ask you to give elevator pitch to let other students know you more, and present your proposal. </a:t>
+              <a:t>The main class takes place twice weekly. We will not have lectures all the week but in the first 3-4 weeks when I need to let every one know each other through the elevator pitch and I need to introduce the general ideas of the course.</a:t>
             </a:r>
           </a:p>
           <a:p>
@@ -849,7 +1743,7 @@
           <a:p>
             <a:r>
               <a:rPr lang="en-US" dirty="0"/>
-              <a:t>Most of the time will be offline and scheduled individual group meeting for me to understand your progress and give you advice.</a:t>
+              <a:t>The rest of the time will be offline; we will schedule individual group meeting for me to understand your progress and give you advice.</a:t>
             </a:r>
           </a:p>
           <a:p>
@@ -858,16 +1752,7 @@
           <a:p>
             <a:r>
               <a:rPr lang="en-US" dirty="0"/>
-              <a:t>You can find me at my office MEB 2124, pretty much every day I will be there. You can also email me to schedule an appointment so we can meet in person or do it virtually through zoom.</a:t>
-            </a:r>
-          </a:p>
-          <a:p>
-            <a:endParaRPr lang="en-US" dirty="0"/>
-          </a:p>
-          <a:p>
-            <a:r>
-              <a:rPr lang="en-US" dirty="0"/>
-              <a:t>Webpage. We will use GitHub to manage the class. You can go visit the page or find the link at the my website. You can check out the class materials from the repository. We use GitHub because it allows everybody to easily keep track of all changes and updates to the class materials. </a:t>
+              <a:t>Webpage. We will use GitHub to manage the class. We use GitHub because it allows everybody to easily keep track of all changes and updates to the class materials. We also use Canvas and that is the place we ask you to turn in your assignment.</a:t>
             </a:r>
           </a:p>
         </p:txBody>
@@ -1050,7 +1935,7 @@
           <a:p>
             <a:r>
               <a:rPr lang="en-US" dirty="0"/>
-              <a:t>Now, I would like to explain briefly each assignment in the following slides. Keep in mind, each assignment is designed to help you more understand what you need to do and give you enough equipment and power to accomplish your senior design project.</a:t>
+              <a:t>Assignment 1: Engineering evaluation, due next Wed 11:59 pm. This assignment has two parts, part 1 is to identify in your surrounding life that bothers you, and you provide a solution to solve the problem. </a:t>
             </a:r>
           </a:p>
           <a:p>
@@ -1059,15 +1944,7 @@
           <a:p>
             <a:r>
               <a:rPr lang="en-US" dirty="0"/>
-              <a:t>Assignment 1: Engineering evaluation, due next Wed 11:59 pm. This assignment has two parts, part 1 is to </a:t>
-            </a:r>
-            <a:r>
-              <a:rPr lang="en-US" dirty="0" err="1"/>
-              <a:t>identiy</a:t>
-            </a:r>
-            <a:r>
-              <a:rPr lang="en-US" dirty="0"/>
-              <a:t> …</a:t>
+              <a:t>For example, the problem can be; come on, the bus is delayed and I am going to miss an important meeting; Or, shoot, my car’s window just broke, and that is not the first time; or my water heater is becoming less and less efficient, and I may need to shower in cold water during the winter.</a:t>
             </a:r>
           </a:p>
           <a:p>
@@ -1075,10 +1952,6 @@
           </a:p>
           <a:p>
             <a:pPr algn="l"/>
-            <a:r>
-              <a:rPr lang="en-US" dirty="0"/>
-              <a:t>The idea is: E</a:t>
-            </a:r>
             <a:r>
               <a:rPr lang="en-US" b="0" i="0" dirty="0">
                 <a:solidFill>
@@ -1087,26 +1960,50 @@
                 <a:effectLst/>
                 <a:latin typeface="-apple-system"/>
               </a:rPr>
-              <a:t>ngineers improve the life of those in the world around them by improving interfaces, adding capabilities, and fixing things that are broken. For this assignment you will observe the every day world around you and determine what you, as a computer engineer, could do to improve it. Carry a note pad or cell phone and make notes of all the things that you observe over the next week. Turn in a report of identifying the improvement and sketch out your initial thoughts on how you would engineer a solution. The solutions should be realistic and feasible. Practice problem solving at a high level of abstraction and general project planning.</a:t>
+              <a:t>Carry a note pad or cell phone and make notes of all the things that you observe over the next week. Turn in a report of identifying the improvement and sketch out your initial thoughts on how you would engineer a solution. The solutions should be realistic and feasible. Practice problem solving at a high level of abstraction and general project planning. That is part I.</a:t>
             </a:r>
           </a:p>
           <a:p>
             <a:pPr algn="l"/>
-            <a:r>
-              <a:rPr lang="en-US" b="0" i="0" dirty="0">
+            <a:endParaRPr lang="en-US" dirty="0">
+              <a:solidFill>
+                <a:srgbClr val="24292E"/>
+              </a:solidFill>
+              <a:latin typeface="-apple-system"/>
+            </a:endParaRPr>
+          </a:p>
+          <a:p>
+            <a:pPr algn="l"/>
+            <a:r>
+              <a:rPr lang="en-US" dirty="0">
                 <a:solidFill>
                   <a:srgbClr val="24292E"/>
                 </a:solidFill>
-                <a:effectLst/>
                 <a:latin typeface="-apple-system"/>
               </a:rPr>
-              <a:t>You will be graded on the problems set you identify, the problems having engineering solutions that you can identify, and your ability to define a reasonable project solution approach and effort estimate.</a:t>
-            </a:r>
-          </a:p>
-          <a:p>
-            <a:endParaRPr lang="en-US" dirty="0"/>
-          </a:p>
-          <a:p>
+              <a:t>Part II, relatively easier; go watch the video from the previous senior project designs and you can find the link in the class page. Watch as many projects as possible and write down your report for at least three projects; The report again, can be very high level: what do you think that project can help improve our lives? Why do we need to care that project. </a:t>
+            </a:r>
+          </a:p>
+          <a:p>
+            <a:pPr algn="l"/>
+            <a:endParaRPr lang="en-US" dirty="0">
+              <a:solidFill>
+                <a:srgbClr val="24292E"/>
+              </a:solidFill>
+              <a:latin typeface="-apple-system"/>
+            </a:endParaRPr>
+          </a:p>
+          <a:p>
+            <a:pPr algn="l"/>
+            <a:r>
+              <a:rPr lang="en-US" dirty="0">
+                <a:solidFill>
+                  <a:srgbClr val="24292E"/>
+                </a:solidFill>
+                <a:latin typeface="-apple-system"/>
+              </a:rPr>
+              <a:t>So, these are part I and part II of the assignment 1. </a:t>
+            </a:r>
             <a:endParaRPr lang="en-US" dirty="0"/>
           </a:p>
         </p:txBody>
@@ -1191,6 +2088,24 @@
           <a:bodyPr/>
           <a:lstStyle/>
           <a:p>
+            <a:r>
+              <a:rPr lang="en-US" dirty="0"/>
+              <a:t>Let’s move on to the first topic today. Teamwork.</a:t>
+            </a:r>
+          </a:p>
+          <a:p>
+            <a:endParaRPr lang="en-US" dirty="0"/>
+          </a:p>
+          <a:p>
+            <a:r>
+              <a:rPr lang="en-US" dirty="0"/>
+              <a:t>Most of what you have read so far about teamwork is just bunk. Rowers’ rowing? Team player in the national football league? There is no “I” in the teamwork?</a:t>
+            </a:r>
+          </a:p>
+          <a:p>
+            <a:endParaRPr lang="en-US" dirty="0"/>
+          </a:p>
+          <a:p>
             <a:endParaRPr lang="en-US" dirty="0"/>
           </a:p>
         </p:txBody>
@@ -1212,7 +2127,7 @@
           <a:p>
             <a:fld id="{AAE100B7-F0F0-BA4B-98D9-DC51A8C921F3}" type="slidenum">
               <a:rPr lang="en-US" smtClean="0"/>
-              <a:t>11</a:t>
+              <a:t>5</a:t>
             </a:fld>
             <a:endParaRPr lang="en-US"/>
           </a:p>
@@ -1221,7 +2136,7 @@
     </p:spTree>
     <p:extLst>
       <p:ext uri="{BB962C8B-B14F-4D97-AF65-F5344CB8AC3E}">
-        <p14:creationId xmlns:p14="http://schemas.microsoft.com/office/powerpoint/2010/main" val="793870149"/>
+        <p14:creationId xmlns:p14="http://schemas.microsoft.com/office/powerpoint/2010/main" val="300954149"/>
       </p:ext>
     </p:extLst>
   </p:cSld>
@@ -1275,7 +2190,28 @@
           <a:bodyPr/>
           <a:lstStyle/>
           <a:p>
+            <a:r>
+              <a:rPr lang="en-US" dirty="0"/>
+              <a:t>The truth is, teamwork is not something you can create immediately or solve to get 100 points from an assignment. It doesn’t happen overnight; </a:t>
+            </a:r>
+          </a:p>
+          <a:p>
             <a:endParaRPr lang="en-US" dirty="0"/>
+          </a:p>
+          <a:p>
+            <a:r>
+              <a:rPr lang="en-US" dirty="0"/>
+              <a:t>You can only create an environment where teamwork can flourish. This is important; teamwork needs time to grow and it takes a lot of components to ensure teamwork always exists and doesn’t disappear especially when things get normalized.</a:t>
+            </a:r>
+          </a:p>
+          <a:p>
+            <a:endParaRPr lang="en-US" dirty="0"/>
+          </a:p>
+          <a:p>
+            <a:r>
+              <a:rPr lang="en-US" dirty="0"/>
+              <a:t>This is like, striking it rich or falling in love, none of them can happen immediately; except those unrealistic movie scenes. </a:t>
+            </a:r>
           </a:p>
         </p:txBody>
       </p:sp>
@@ -1296,7 +2232,7 @@
           <a:p>
             <a:fld id="{AAE100B7-F0F0-BA4B-98D9-DC51A8C921F3}" type="slidenum">
               <a:rPr lang="en-US" smtClean="0"/>
-              <a:t>12</a:t>
+              <a:t>6</a:t>
             </a:fld>
             <a:endParaRPr lang="en-US"/>
           </a:p>
@@ -1305,7 +2241,332 @@
     </p:spTree>
     <p:extLst>
       <p:ext uri="{BB962C8B-B14F-4D97-AF65-F5344CB8AC3E}">
-        <p14:creationId xmlns:p14="http://schemas.microsoft.com/office/powerpoint/2010/main" val="1091578543"/>
+        <p14:creationId xmlns:p14="http://schemas.microsoft.com/office/powerpoint/2010/main" val="1760155474"/>
+      </p:ext>
+    </p:extLst>
+  </p:cSld>
+  <p:clrMapOvr>
+    <a:masterClrMapping/>
+  </p:clrMapOvr>
+</p:notes>
+</file>
+
+<file path=ppt/notesSlides/notesSlide7.xml><?xml version="1.0" encoding="utf-8"?>
+<p:notes xmlns:a="http://schemas.openxmlformats.org/drawingml/2006/main" xmlns:r="http://schemas.openxmlformats.org/officeDocument/2006/relationships" xmlns:p="http://schemas.openxmlformats.org/presentationml/2006/main">
+  <p:cSld>
+    <p:spTree>
+      <p:nvGrpSpPr>
+        <p:cNvPr id="1" name=""/>
+        <p:cNvGrpSpPr/>
+        <p:nvPr/>
+      </p:nvGrpSpPr>
+      <p:grpSpPr>
+        <a:xfrm>
+          <a:off x="0" y="0"/>
+          <a:ext cx="0" cy="0"/>
+          <a:chOff x="0" y="0"/>
+          <a:chExt cx="0" cy="0"/>
+        </a:xfrm>
+      </p:grpSpPr>
+      <p:sp>
+        <p:nvSpPr>
+          <p:cNvPr id="2" name="Slide Image Placeholder 1"/>
+          <p:cNvSpPr>
+            <a:spLocks noGrp="1" noRot="1" noChangeAspect="1"/>
+          </p:cNvSpPr>
+          <p:nvPr>
+            <p:ph type="sldImg"/>
+          </p:nvPr>
+        </p:nvSpPr>
+        <p:spPr/>
+      </p:sp>
+      <p:sp>
+        <p:nvSpPr>
+          <p:cNvPr id="3" name="Notes Placeholder 2"/>
+          <p:cNvSpPr>
+            <a:spLocks noGrp="1"/>
+          </p:cNvSpPr>
+          <p:nvPr>
+            <p:ph type="body" idx="1"/>
+          </p:nvPr>
+        </p:nvSpPr>
+        <p:spPr>
+          <a:xfrm>
+            <a:off x="690418" y="4343400"/>
+            <a:ext cx="5486400" cy="4114800"/>
+          </a:xfrm>
+        </p:spPr>
+        <p:txBody>
+          <a:bodyPr/>
+          <a:lstStyle/>
+          <a:p>
+            <a:r>
+              <a:rPr lang="en-US" dirty="0"/>
+              <a:t>Teamwork cannot be willed into existence. And, the reason to this is quite simple; if you can force someone to be in your teamwork, it’s not team work but your arrangement and order. That does not come with a team, right?</a:t>
+            </a:r>
+          </a:p>
+        </p:txBody>
+      </p:sp>
+      <p:sp>
+        <p:nvSpPr>
+          <p:cNvPr id="4" name="Slide Number Placeholder 3"/>
+          <p:cNvSpPr>
+            <a:spLocks noGrp="1"/>
+          </p:cNvSpPr>
+          <p:nvPr>
+            <p:ph type="sldNum" sz="quarter" idx="5"/>
+          </p:nvPr>
+        </p:nvSpPr>
+        <p:spPr/>
+        <p:txBody>
+          <a:bodyPr/>
+          <a:lstStyle/>
+          <a:p>
+            <a:fld id="{AAE100B7-F0F0-BA4B-98D9-DC51A8C921F3}" type="slidenum">
+              <a:rPr lang="en-US" smtClean="0"/>
+              <a:t>7</a:t>
+            </a:fld>
+            <a:endParaRPr lang="en-US"/>
+          </a:p>
+        </p:txBody>
+      </p:sp>
+    </p:spTree>
+    <p:extLst>
+      <p:ext uri="{BB962C8B-B14F-4D97-AF65-F5344CB8AC3E}">
+        <p14:creationId xmlns:p14="http://schemas.microsoft.com/office/powerpoint/2010/main" val="1047426157"/>
+      </p:ext>
+    </p:extLst>
+  </p:cSld>
+  <p:clrMapOvr>
+    <a:masterClrMapping/>
+  </p:clrMapOvr>
+</p:notes>
+</file>
+
+<file path=ppt/notesSlides/notesSlide8.xml><?xml version="1.0" encoding="utf-8"?>
+<p:notes xmlns:a="http://schemas.openxmlformats.org/drawingml/2006/main" xmlns:r="http://schemas.openxmlformats.org/officeDocument/2006/relationships" xmlns:p="http://schemas.openxmlformats.org/presentationml/2006/main">
+  <p:cSld>
+    <p:spTree>
+      <p:nvGrpSpPr>
+        <p:cNvPr id="1" name=""/>
+        <p:cNvGrpSpPr/>
+        <p:nvPr/>
+      </p:nvGrpSpPr>
+      <p:grpSpPr>
+        <a:xfrm>
+          <a:off x="0" y="0"/>
+          <a:ext cx="0" cy="0"/>
+          <a:chOff x="0" y="0"/>
+          <a:chExt cx="0" cy="0"/>
+        </a:xfrm>
+      </p:grpSpPr>
+      <p:sp>
+        <p:nvSpPr>
+          <p:cNvPr id="2" name="Slide Image Placeholder 1"/>
+          <p:cNvSpPr>
+            <a:spLocks noGrp="1" noRot="1" noChangeAspect="1"/>
+          </p:cNvSpPr>
+          <p:nvPr>
+            <p:ph type="sldImg"/>
+          </p:nvPr>
+        </p:nvSpPr>
+        <p:spPr/>
+      </p:sp>
+      <p:sp>
+        <p:nvSpPr>
+          <p:cNvPr id="3" name="Notes Placeholder 2"/>
+          <p:cNvSpPr>
+            <a:spLocks noGrp="1"/>
+          </p:cNvSpPr>
+          <p:nvPr>
+            <p:ph type="body" idx="1"/>
+          </p:nvPr>
+        </p:nvSpPr>
+        <p:spPr/>
+        <p:txBody>
+          <a:bodyPr/>
+          <a:lstStyle/>
+          <a:p>
+            <a:r>
+              <a:rPr lang="en-US" dirty="0"/>
+              <a:t>In fact, teamwork is an individual skill; becoming …</a:t>
+            </a:r>
+          </a:p>
+          <a:p>
+            <a:endParaRPr lang="en-US" dirty="0"/>
+          </a:p>
+          <a:p>
+            <a:r>
+              <a:rPr lang="en-US" dirty="0"/>
+              <a:t>You cannot control others, but you can control your own behavior; There is definitely an “I” in a team, regardless you being the leader, or one of the leaders, or a regular members; It doesn’t really matter, because everyone is important to a teamwork; even though there is a hierarchy but most of the time it is just for project management. Without a team, you won’t be able to accomplish the project.</a:t>
+            </a:r>
+          </a:p>
+          <a:p>
+            <a:endParaRPr lang="en-US" dirty="0"/>
+          </a:p>
+          <a:p>
+            <a:r>
+              <a:rPr lang="en-US" dirty="0"/>
+              <a:t>There are many famous example. Neil Armstrong won’t be able to get into the moon through rugged individualism. It takes a team; we have people working on spacecraft, that is the hardware, we have people working on navigation engine, that is the software;</a:t>
+            </a:r>
+          </a:p>
+        </p:txBody>
+      </p:sp>
+      <p:sp>
+        <p:nvSpPr>
+          <p:cNvPr id="4" name="Slide Number Placeholder 3"/>
+          <p:cNvSpPr>
+            <a:spLocks noGrp="1"/>
+          </p:cNvSpPr>
+          <p:nvPr>
+            <p:ph type="sldNum" sz="quarter" idx="5"/>
+          </p:nvPr>
+        </p:nvSpPr>
+        <p:spPr/>
+        <p:txBody>
+          <a:bodyPr/>
+          <a:lstStyle/>
+          <a:p>
+            <a:fld id="{AAE100B7-F0F0-BA4B-98D9-DC51A8C921F3}" type="slidenum">
+              <a:rPr lang="en-US" smtClean="0"/>
+              <a:t>8</a:t>
+            </a:fld>
+            <a:endParaRPr lang="en-US"/>
+          </a:p>
+        </p:txBody>
+      </p:sp>
+    </p:spTree>
+    <p:extLst>
+      <p:ext uri="{BB962C8B-B14F-4D97-AF65-F5344CB8AC3E}">
+        <p14:creationId xmlns:p14="http://schemas.microsoft.com/office/powerpoint/2010/main" val="2063232373"/>
+      </p:ext>
+    </p:extLst>
+  </p:cSld>
+  <p:clrMapOvr>
+    <a:masterClrMapping/>
+  </p:clrMapOvr>
+</p:notes>
+</file>
+
+<file path=ppt/notesSlides/notesSlide9.xml><?xml version="1.0" encoding="utf-8"?>
+<p:notes xmlns:a="http://schemas.openxmlformats.org/drawingml/2006/main" xmlns:r="http://schemas.openxmlformats.org/officeDocument/2006/relationships" xmlns:p="http://schemas.openxmlformats.org/presentationml/2006/main">
+  <p:cSld>
+    <p:spTree>
+      <p:nvGrpSpPr>
+        <p:cNvPr id="1" name=""/>
+        <p:cNvGrpSpPr/>
+        <p:nvPr/>
+      </p:nvGrpSpPr>
+      <p:grpSpPr>
+        <a:xfrm>
+          <a:off x="0" y="0"/>
+          <a:ext cx="0" cy="0"/>
+          <a:chOff x="0" y="0"/>
+          <a:chExt cx="0" cy="0"/>
+        </a:xfrm>
+      </p:grpSpPr>
+      <p:sp>
+        <p:nvSpPr>
+          <p:cNvPr id="2" name="Slide Image Placeholder 1"/>
+          <p:cNvSpPr>
+            <a:spLocks noGrp="1" noRot="1" noChangeAspect="1"/>
+          </p:cNvSpPr>
+          <p:nvPr>
+            <p:ph type="sldImg"/>
+          </p:nvPr>
+        </p:nvSpPr>
+        <p:spPr/>
+      </p:sp>
+      <p:sp>
+        <p:nvSpPr>
+          <p:cNvPr id="3" name="Notes Placeholder 2"/>
+          <p:cNvSpPr>
+            <a:spLocks noGrp="1"/>
+          </p:cNvSpPr>
+          <p:nvPr>
+            <p:ph type="body" idx="1"/>
+          </p:nvPr>
+        </p:nvSpPr>
+        <p:spPr/>
+        <p:txBody>
+          <a:bodyPr/>
+          <a:lstStyle/>
+          <a:p>
+            <a:r>
+              <a:rPr lang="en-US" dirty="0"/>
+              <a:t>The best place to do teamwork is military training, agree? You need to fight together and cover your neighboring soldier in order to reach the goal.</a:t>
+            </a:r>
+          </a:p>
+          <a:p>
+            <a:endParaRPr lang="en-US" dirty="0"/>
+          </a:p>
+          <a:p>
+            <a:r>
+              <a:rPr lang="en-US" dirty="0"/>
+              <a:t>Have you been wondering, in this picture, when three of the soldiers go across the wall, what does the last one do?</a:t>
+            </a:r>
+          </a:p>
+          <a:p>
+            <a:endParaRPr lang="en-US" dirty="0"/>
+          </a:p>
+          <a:p>
+            <a:r>
+              <a:rPr lang="en-US" dirty="0"/>
+              <a:t>This indeed is an actual story myself. I was born in Taiwan and every handsome man, sorry I mean healthy man, must take military service for 1-2 years. This picture was one of our test. And I was the last person left in the bottom of the fucking wall, when I helped the other three partners go across the wall. The wall is actually very high, much taller than a single person’s height. You cannot easily jump over it.</a:t>
+            </a:r>
+          </a:p>
+          <a:p>
+            <a:endParaRPr lang="en-US" dirty="0"/>
+          </a:p>
+          <a:p>
+            <a:r>
+              <a:rPr lang="en-US" dirty="0"/>
+              <a:t>I looked at my partners and their faces look like leaving me alone. No way, we </a:t>
+            </a:r>
+            <a:r>
+              <a:rPr lang="en-US" dirty="0" err="1"/>
+              <a:t>gota</a:t>
+            </a:r>
+            <a:r>
+              <a:rPr lang="en-US" dirty="0"/>
+              <a:t> think about a good solution. (explain)</a:t>
+            </a:r>
+          </a:p>
+          <a:p>
+            <a:endParaRPr lang="en-US" dirty="0"/>
+          </a:p>
+          <a:p>
+            <a:endParaRPr lang="en-US" dirty="0"/>
+          </a:p>
+        </p:txBody>
+      </p:sp>
+      <p:sp>
+        <p:nvSpPr>
+          <p:cNvPr id="4" name="Slide Number Placeholder 3"/>
+          <p:cNvSpPr>
+            <a:spLocks noGrp="1"/>
+          </p:cNvSpPr>
+          <p:nvPr>
+            <p:ph type="sldNum" sz="quarter" idx="5"/>
+          </p:nvPr>
+        </p:nvSpPr>
+        <p:spPr/>
+        <p:txBody>
+          <a:bodyPr/>
+          <a:lstStyle/>
+          <a:p>
+            <a:fld id="{AAE100B7-F0F0-BA4B-98D9-DC51A8C921F3}" type="slidenum">
+              <a:rPr lang="en-US" smtClean="0"/>
+              <a:t>9</a:t>
+            </a:fld>
+            <a:endParaRPr lang="en-US"/>
+          </a:p>
+        </p:txBody>
+      </p:sp>
+    </p:spTree>
+    <p:extLst>
+      <p:ext uri="{BB962C8B-B14F-4D97-AF65-F5344CB8AC3E}">
+        <p14:creationId xmlns:p14="http://schemas.microsoft.com/office/powerpoint/2010/main" val="143310803"/>
       </p:ext>
     </p:extLst>
   </p:cSld>
@@ -1655,7 +2916,7 @@
           <a:p>
             <a:fld id="{3268F7F9-70EC-BD49-8928-7CB170F9795A}" type="datetime1">
               <a:rPr lang="en-US" smtClean="0"/>
-              <a:t>1/21/21</a:t>
+              <a:t>1/22/21</a:t>
             </a:fld>
             <a:endParaRPr lang="en-US"/>
           </a:p>
@@ -1766,7 +3027,7 @@
           <a:p>
             <a:fld id="{148EBF9C-0147-DE49-BEBF-5601345D794C}" type="datetime1">
               <a:rPr lang="en-US" smtClean="0"/>
-              <a:t>1/21/21</a:t>
+              <a:t>1/22/21</a:t>
             </a:fld>
             <a:endParaRPr lang="en-US" dirty="0"/>
           </a:p>
@@ -2271,7 +3532,7 @@
           <a:p>
             <a:fld id="{5220C52D-8C02-5E4D-9426-D1EE2725AF8B}" type="datetime1">
               <a:rPr lang="en-US" smtClean="0"/>
-              <a:t>1/21/21</a:t>
+              <a:t>1/22/21</a:t>
             </a:fld>
             <a:endParaRPr lang="en-US"/>
           </a:p>
@@ -2771,7 +4032,7 @@
           <a:p>
             <a:fld id="{AF953D56-53FA-064E-AAF8-1376460A6387}" type="datetime1">
               <a:rPr lang="en-US" smtClean="0"/>
-              <a:t>1/21/21</a:t>
+              <a:t>1/22/21</a:t>
             </a:fld>
             <a:endParaRPr lang="en-US"/>
           </a:p>
@@ -2973,7 +4234,7 @@
           <a:p>
             <a:fld id="{6B01A23A-B960-2540-B8F5-FE58184F77E8}" type="datetime1">
               <a:rPr lang="en-US" smtClean="0"/>
-              <a:t>1/21/21</a:t>
+              <a:t>1/22/21</a:t>
             </a:fld>
             <a:endParaRPr lang="en-US"/>
           </a:p>
@@ -3089,7 +4350,7 @@
           <a:p>
             <a:fld id="{5FA2E91B-46B4-4840-8C61-93A81CE7D388}" type="datetime1">
               <a:rPr lang="en-US" smtClean="0"/>
-              <a:t>1/21/21</a:t>
+              <a:t>1/22/21</a:t>
             </a:fld>
             <a:endParaRPr lang="en-US"/>
           </a:p>
@@ -3385,7 +4646,7 @@
           <a:p>
             <a:fld id="{F4512308-29C4-F544-A0F1-FBC3C4067138}" type="datetime1">
               <a:rPr lang="en-US" smtClean="0"/>
-              <a:t>1/21/21</a:t>
+              <a:t>1/22/21</a:t>
             </a:fld>
             <a:endParaRPr lang="en-US"/>
           </a:p>
@@ -3653,7 +4914,7 @@
           <a:p>
             <a:fld id="{786C1DF2-18E9-F140-80E5-AA07E724E416}" type="datetime1">
               <a:rPr lang="en-US" smtClean="0"/>
-              <a:t>1/21/21</a:t>
+              <a:t>1/22/21</a:t>
             </a:fld>
             <a:endParaRPr lang="en-US"/>
           </a:p>
@@ -3837,7 +5098,7 @@
           <a:p>
             <a:fld id="{60EDF656-61DC-9A42-8D01-12AB0AEA89CE}" type="datetime1">
               <a:rPr lang="en-US" smtClean="0"/>
-              <a:t>1/21/21</a:t>
+              <a:t>1/22/21</a:t>
             </a:fld>
             <a:endParaRPr lang="en-US"/>
           </a:p>
@@ -4380,7 +5641,7 @@
           <a:p>
             <a:r>
               <a:rPr lang="en-US" sz="4800" dirty="0"/>
-              <a:t>Lecture 2: Team Work</a:t>
+              <a:t>Lecture 2: Team Work and Resume</a:t>
             </a:r>
           </a:p>
         </p:txBody>
@@ -4670,25 +5931,26 @@
           <a:p>
             <a:pPr lvl="1"/>
             <a:r>
-              <a:rPr lang="en-US" dirty="0"/>
-              <a:t>https://</a:t>
-            </a:r>
-            <a:r>
-              <a:rPr lang="en-US" dirty="0" err="1"/>
-              <a:t>www.youtube.com</a:t>
-            </a:r>
-            <a:r>
-              <a:rPr lang="en-US" dirty="0"/>
-              <a:t>/</a:t>
-            </a:r>
-            <a:r>
-              <a:rPr lang="en-US" dirty="0" err="1"/>
-              <a:t>watch?v</a:t>
-            </a:r>
-            <a:r>
-              <a:rPr lang="en-US" dirty="0"/>
-              <a:t>=mCEob8Jyecw</a:t>
-            </a:r>
+              <a:rPr lang="en-US" dirty="0">
+                <a:hlinkClick r:id="rId3"/>
+              </a:rPr>
+              <a:t>https://www.youtube.com/watch?v=mCEob8Jyecw</a:t>
+            </a:r>
+            <a:endParaRPr lang="en-US" dirty="0"/>
+          </a:p>
+          <a:p>
+            <a:pPr lvl="1"/>
+            <a:r>
+              <a:rPr lang="en-US" dirty="0">
+                <a:hlinkClick r:id="rId4"/>
+              </a:rPr>
+              <a:t>https://www.youtube.com/watch?v=v2PaZ8Nl2T4</a:t>
+            </a:r>
+            <a:endParaRPr lang="en-US" dirty="0"/>
+          </a:p>
+          <a:p>
+            <a:pPr lvl="1"/>
+            <a:endParaRPr lang="en-US" dirty="0"/>
           </a:p>
           <a:p>
             <a:pPr lvl="1"/>
@@ -5216,7 +6478,7 @@
           <p:nvPr/>
         </p:nvPicPr>
         <p:blipFill>
-          <a:blip r:embed="rId2">
+          <a:blip r:embed="rId3">
             <a:extLst>
               <a:ext uri="{28A0092B-C50C-407E-A947-70E740481C1C}">
                 <a14:useLocalDpi xmlns:a14="http://schemas.microsoft.com/office/drawing/2010/main" val="0"/>
@@ -5392,7 +6654,7 @@
             <a:pPr lvl="1"/>
             <a:r>
               <a:rPr lang="en-US" dirty="0"/>
-              <a:t>The man point of contact between you and me</a:t>
+              <a:t>The main point of contact between you and me</a:t>
             </a:r>
           </a:p>
           <a:p>
@@ -6062,7 +7324,9 @@
         </p:nvSpPr>
         <p:spPr/>
         <p:txBody>
-          <a:bodyPr/>
+          <a:bodyPr>
+            <a:normAutofit/>
+          </a:bodyPr>
           <a:lstStyle/>
           <a:p>
             <a:r>
@@ -6071,6 +7335,13 @@
             </a:r>
           </a:p>
           <a:p>
+            <a:pPr lvl="1"/>
+            <a:r>
+              <a:rPr lang="en-US" altLang="en-US" dirty="0"/>
+              <a:t>In our case, the specific project topics you plan to do</a:t>
+            </a:r>
+          </a:p>
+          <a:p>
             <a:r>
               <a:rPr lang="en-US" altLang="en-US" dirty="0"/>
               <a:t>Simple, clear, and concise</a:t>
@@ -6086,25 +7357,27 @@
           <a:p>
             <a:r>
               <a:rPr lang="en-US" altLang="en-US" dirty="0"/>
-              <a:t>Does not need to be a complete sentence (usually a short, one-line phrase)</a:t>
-            </a:r>
-          </a:p>
-          <a:p>
+              <a:t>Does not need to be a complete sentence </a:t>
+            </a:r>
+          </a:p>
+          <a:p>
+            <a:pPr lvl="1"/>
             <a:r>
               <a:rPr lang="en-US" altLang="en-US" dirty="0"/>
-              <a:t>Take advantage of information from the job advertisement (use key words in your objective)</a:t>
+              <a:t>To build a spacecraft that can overcome the …</a:t>
             </a:r>
           </a:p>
           <a:p>
             <a:r>
               <a:rPr lang="en-US" altLang="en-US" dirty="0"/>
-              <a:t>Don’t be wordy and don’t add unnecessary information Translation:   Don’t blather on</a:t>
-            </a:r>
-          </a:p>
-          <a:p>
+              <a:t>Don’t be wordy</a:t>
+            </a:r>
+          </a:p>
+          <a:p>
+            <a:pPr lvl="1"/>
             <a:r>
               <a:rPr lang="en-US" altLang="en-US" dirty="0"/>
-              <a:t>Don’t get too “ME” centered</a:t>
+              <a:t>Simple, concise, and specific</a:t>
             </a:r>
           </a:p>
           <a:p>
@@ -8379,7 +9652,7 @@
             <a:pPr lvl="1"/>
             <a:r>
               <a:rPr lang="en-US" i="1" dirty="0"/>
-              <a:t>Becoming skilled at doing more with others may be the single most important thing you can do” </a:t>
+              <a:t>Becoming skilled at doing more with others may be the single most important thing you can do </a:t>
             </a:r>
             <a:r>
               <a:rPr lang="en-US" dirty="0"/>
@@ -8529,7 +9802,7 @@
           <p:nvPr/>
         </p:nvPicPr>
         <p:blipFill>
-          <a:blip r:embed="rId2">
+          <a:blip r:embed="rId3">
             <a:extLst>
               <a:ext uri="{28A0092B-C50C-407E-A947-70E740481C1C}">
                 <a14:useLocalDpi xmlns:a14="http://schemas.microsoft.com/office/drawing/2010/main" val="0"/>
